--- a/2D겜플 최종발표.pptx
+++ b/2D겜플 최종발표.pptx
@@ -201,7 +201,7 @@
           <a:p>
             <a:fld id="{4B6388B5-D80D-4105-B455-9E30BEBF8289}" type="datetimeFigureOut">
               <a:rPr lang="ko-KR" altLang="en-US" smtClean="0"/>
-              <a:t>2018-12-02</a:t>
+              <a:t>2018-12-03</a:t>
             </a:fld>
             <a:endParaRPr lang="ko-KR" altLang="en-US"/>
           </a:p>
@@ -607,7 +607,7 @@
           <a:p>
             <a:fld id="{FE2EBCBD-2891-4145-9196-57E9D5C47B65}" type="datetimeFigureOut">
               <a:rPr lang="ko-KR" altLang="en-US" smtClean="0"/>
-              <a:t>2018-12-02</a:t>
+              <a:t>2018-12-03</a:t>
             </a:fld>
             <a:endParaRPr lang="ko-KR" altLang="en-US"/>
           </a:p>
@@ -818,7 +818,7 @@
           <a:p>
             <a:fld id="{FE2EBCBD-2891-4145-9196-57E9D5C47B65}" type="datetimeFigureOut">
               <a:rPr lang="ko-KR" altLang="en-US" smtClean="0"/>
-              <a:t>2018-12-02</a:t>
+              <a:t>2018-12-03</a:t>
             </a:fld>
             <a:endParaRPr lang="ko-KR" altLang="en-US"/>
           </a:p>
@@ -1033,7 +1033,7 @@
           <a:p>
             <a:fld id="{FE2EBCBD-2891-4145-9196-57E9D5C47B65}" type="datetimeFigureOut">
               <a:rPr lang="ko-KR" altLang="en-US" smtClean="0"/>
-              <a:t>2018-12-02</a:t>
+              <a:t>2018-12-03</a:t>
             </a:fld>
             <a:endParaRPr lang="ko-KR" altLang="en-US"/>
           </a:p>
@@ -1234,7 +1234,7 @@
           <a:p>
             <a:fld id="{FE2EBCBD-2891-4145-9196-57E9D5C47B65}" type="datetimeFigureOut">
               <a:rPr lang="ko-KR" altLang="en-US" smtClean="0"/>
-              <a:t>2018-12-02</a:t>
+              <a:t>2018-12-03</a:t>
             </a:fld>
             <a:endParaRPr lang="ko-KR" altLang="en-US"/>
           </a:p>
@@ -1513,7 +1513,7 @@
           <a:p>
             <a:fld id="{FE2EBCBD-2891-4145-9196-57E9D5C47B65}" type="datetimeFigureOut">
               <a:rPr lang="ko-KR" altLang="en-US" smtClean="0"/>
-              <a:t>2018-12-02</a:t>
+              <a:t>2018-12-03</a:t>
             </a:fld>
             <a:endParaRPr lang="ko-KR" altLang="en-US"/>
           </a:p>
@@ -1781,7 +1781,7 @@
           <a:p>
             <a:fld id="{FE2EBCBD-2891-4145-9196-57E9D5C47B65}" type="datetimeFigureOut">
               <a:rPr lang="ko-KR" altLang="en-US" smtClean="0"/>
-              <a:t>2018-12-02</a:t>
+              <a:t>2018-12-03</a:t>
             </a:fld>
             <a:endParaRPr lang="ko-KR" altLang="en-US"/>
           </a:p>
@@ -2197,7 +2197,7 @@
           <a:p>
             <a:fld id="{FE2EBCBD-2891-4145-9196-57E9D5C47B65}" type="datetimeFigureOut">
               <a:rPr lang="ko-KR" altLang="en-US" smtClean="0"/>
-              <a:t>2018-12-02</a:t>
+              <a:t>2018-12-03</a:t>
             </a:fld>
             <a:endParaRPr lang="ko-KR" altLang="en-US"/>
           </a:p>
@@ -2346,7 +2346,7 @@
           <a:p>
             <a:fld id="{FE2EBCBD-2891-4145-9196-57E9D5C47B65}" type="datetimeFigureOut">
               <a:rPr lang="ko-KR" altLang="en-US" smtClean="0"/>
-              <a:t>2018-12-02</a:t>
+              <a:t>2018-12-03</a:t>
             </a:fld>
             <a:endParaRPr lang="ko-KR" altLang="en-US"/>
           </a:p>
@@ -2472,7 +2472,7 @@
           <a:p>
             <a:fld id="{FE2EBCBD-2891-4145-9196-57E9D5C47B65}" type="datetimeFigureOut">
               <a:rPr lang="ko-KR" altLang="en-US" smtClean="0"/>
-              <a:t>2018-12-02</a:t>
+              <a:t>2018-12-03</a:t>
             </a:fld>
             <a:endParaRPr lang="ko-KR" altLang="en-US"/>
           </a:p>
@@ -2723,7 +2723,7 @@
           <a:p>
             <a:fld id="{FE2EBCBD-2891-4145-9196-57E9D5C47B65}" type="datetimeFigureOut">
               <a:rPr lang="ko-KR" altLang="en-US" smtClean="0"/>
-              <a:t>2018-12-02</a:t>
+              <a:t>2018-12-03</a:t>
             </a:fld>
             <a:endParaRPr lang="ko-KR" altLang="en-US"/>
           </a:p>
@@ -3168,7 +3168,7 @@
           <a:p>
             <a:fld id="{FE2EBCBD-2891-4145-9196-57E9D5C47B65}" type="datetimeFigureOut">
               <a:rPr lang="ko-KR" altLang="en-US" smtClean="0"/>
-              <a:t>2018-12-02</a:t>
+              <a:t>2018-12-03</a:t>
             </a:fld>
             <a:endParaRPr lang="ko-KR" altLang="en-US"/>
           </a:p>
@@ -3494,7 +3494,7 @@
           <a:p>
             <a:fld id="{FE2EBCBD-2891-4145-9196-57E9D5C47B65}" type="datetimeFigureOut">
               <a:rPr lang="ko-KR" altLang="en-US" smtClean="0"/>
-              <a:t>2018-12-02</a:t>
+              <a:t>2018-12-03</a:t>
             </a:fld>
             <a:endParaRPr lang="ko-KR" altLang="en-US"/>
           </a:p>
@@ -4142,22 +4142,6 @@
           <a:p>
             <a:r>
               <a:rPr lang="en-US" altLang="ko-KR" dirty="0"/>
-              <a:t>‘</a:t>
-            </a:r>
-            <a:r>
-              <a:rPr lang="en-US" altLang="ko-KR" dirty="0" err="1"/>
-              <a:t>Momodora</a:t>
-            </a:r>
-            <a:r>
-              <a:rPr lang="en-US" altLang="ko-KR" dirty="0"/>
-              <a:t> : Reverie Under the Moonlight’</a:t>
-            </a:r>
-            <a:r>
-              <a:rPr lang="ko-KR" altLang="en-US" dirty="0"/>
-              <a:t>의 에서 영감을 받은 </a:t>
-            </a:r>
-            <a:r>
-              <a:rPr lang="en-US" altLang="ko-KR" dirty="0"/>
               <a:t>2D </a:t>
             </a:r>
             <a:r>
@@ -4167,6 +4151,34 @@
             <a:r>
               <a:rPr lang="ko-KR" altLang="en-US" dirty="0"/>
               <a:t> 액션 게임</a:t>
+            </a:r>
+            <a:r>
+              <a:rPr lang="en-US" altLang="ko-KR" dirty="0"/>
+              <a:t>.</a:t>
+            </a:r>
+          </a:p>
+          <a:p>
+            <a:r>
+              <a:rPr lang="ko-KR" altLang="en-US" dirty="0"/>
+              <a:t>튜토리얼 수준 밖에 없음</a:t>
+            </a:r>
+            <a:r>
+              <a:rPr lang="en-US" altLang="ko-KR" dirty="0"/>
+              <a:t>.</a:t>
+            </a:r>
+          </a:p>
+          <a:p>
+            <a:r>
+              <a:rPr lang="ko-KR" altLang="en-US" dirty="0"/>
+              <a:t>적을 처치하고 </a:t>
+            </a:r>
+            <a:r>
+              <a:rPr lang="en-US" altLang="ko-KR" dirty="0"/>
+              <a:t>7</a:t>
+            </a:r>
+            <a:r>
+              <a:rPr lang="ko-KR" altLang="en-US" dirty="0"/>
+              <a:t>블록을 넘어가면 끝</a:t>
             </a:r>
             <a:r>
               <a:rPr lang="en-US" altLang="ko-KR" dirty="0"/>
@@ -4290,7 +4302,7 @@
             <p:ph idx="1"/>
             <p:extLst>
               <p:ext uri="{D42A27DB-BD31-4B8C-83A1-F6EECF244321}">
-                <p14:modId xmlns:p14="http://schemas.microsoft.com/office/powerpoint/2010/main" val="3298342505"/>
+                <p14:modId xmlns:p14="http://schemas.microsoft.com/office/powerpoint/2010/main" val="3740084177"/>
               </p:ext>
             </p:extLst>
           </p:nvPr>
@@ -4797,7 +4809,10 @@
                     <a:lstStyle/>
                     <a:p>
                       <a:pPr latinLnBrk="1"/>
-                      <a:endParaRPr lang="ko-KR" altLang="en-US" sz="1600" dirty="0"/>
+                      <a:r>
+                        <a:rPr lang="ko-KR" altLang="en-US" sz="1600" dirty="0"/>
+                        <a:t>우두머리를 제외한 나머지 적은 약함</a:t>
+                      </a:r>
                     </a:p>
                   </a:txBody>
                   <a:tcPr anchor="ctr"/>
@@ -5663,7 +5678,7 @@
         <p:spPr>
           <a:xfrm>
             <a:off x="1451581" y="2015732"/>
-            <a:ext cx="4172212" cy="3450613"/>
+            <a:ext cx="4172212" cy="4037748"/>
           </a:xfrm>
           <a:prstGeom prst="rect">
             <a:avLst/>
@@ -5690,11 +5705,11 @@
               <a:buChar char="•"/>
             </a:pPr>
             <a:r>
-              <a:rPr lang="ko-KR" altLang="en-US"/>
+              <a:rPr lang="ko-KR" altLang="en-US" dirty="0"/>
               <a:t>개인 사정으로 인해 중간에 빠진 부분이 있어 후반에 급하게 몰아침</a:t>
             </a:r>
             <a:r>
-              <a:rPr lang="en-US" altLang="ko-KR"/>
+              <a:rPr lang="en-US" altLang="ko-KR" dirty="0"/>
               <a:t>.</a:t>
             </a:r>
           </a:p>
@@ -5714,11 +5729,15 @@
               <a:buChar char="•"/>
             </a:pPr>
             <a:r>
-              <a:rPr lang="ko-KR" altLang="en-US"/>
-              <a:t>급하게 몰아치다 보니 유지보수성이 매우 떨어지는 하드코딩이 되어버림</a:t>
-            </a:r>
-            <a:r>
-              <a:rPr lang="en-US" altLang="ko-KR"/>
+              <a:rPr lang="ko-KR" altLang="en-US" dirty="0"/>
+              <a:t>급하게 몰아치다 보니 유지보수성이 매우 떨어지는 하드코딩이 </a:t>
+            </a:r>
+            <a:r>
+              <a:rPr lang="ko-KR" altLang="en-US" dirty="0" err="1"/>
+              <a:t>되어버림</a:t>
+            </a:r>
+            <a:r>
+              <a:rPr lang="en-US" altLang="ko-KR" dirty="0"/>
               <a:t>.</a:t>
             </a:r>
           </a:p>
@@ -5738,11 +5757,11 @@
               <a:buChar char="•"/>
             </a:pPr>
             <a:r>
-              <a:rPr lang="ko-KR" altLang="en-US"/>
+              <a:rPr lang="ko-KR" altLang="en-US" dirty="0"/>
               <a:t>덤으로 초기 기획도 쫓아가지 못함</a:t>
             </a:r>
             <a:r>
-              <a:rPr lang="en-US" altLang="ko-KR"/>
+              <a:rPr lang="en-US" altLang="ko-KR" dirty="0"/>
               <a:t>.</a:t>
             </a:r>
           </a:p>
@@ -5761,7 +5780,22 @@
               <a:buFont typeface="Arial" panose="020B0604020202020204" pitchFamily="34" charset="0"/>
               <a:buChar char="•"/>
             </a:pPr>
-            <a:endParaRPr lang="en-US" altLang="ko-KR"/>
+            <a:r>
+              <a:rPr lang="ko-KR" altLang="en-US" dirty="0"/>
+              <a:t>당연히 있어야 할 사소한 부분도 빠짐</a:t>
+            </a:r>
+            <a:r>
+              <a:rPr lang="en-US" altLang="ko-KR" dirty="0"/>
+              <a:t>.(</a:t>
+            </a:r>
+            <a:r>
+              <a:rPr lang="ko-KR" altLang="en-US" dirty="0"/>
+              <a:t>피격 효과 등</a:t>
+            </a:r>
+            <a:r>
+              <a:rPr lang="en-US" altLang="ko-KR" dirty="0"/>
+              <a:t>)</a:t>
+            </a:r>
           </a:p>
           <a:p>
             <a:pPr marL="285750" indent="-228600" defTabSz="914400">
@@ -5778,28 +5812,143 @@
               <a:buFont typeface="Arial" panose="020B0604020202020204" pitchFamily="34" charset="0"/>
               <a:buChar char="•"/>
             </a:pPr>
-            <a:r>
-              <a:rPr lang="ko-KR" altLang="en-US"/>
-              <a:t>그래도 이미지 자원은 열심히 만들었다</a:t>
-            </a:r>
-            <a:r>
-              <a:rPr lang="en-US" altLang="ko-KR"/>
+            <a:endParaRPr lang="en-US" altLang="ko-KR" dirty="0"/>
+          </a:p>
+          <a:p>
+            <a:pPr marL="285750" indent="-228600" defTabSz="914400">
+              <a:lnSpc>
+                <a:spcPct val="120000"/>
+              </a:lnSpc>
+              <a:spcAft>
+                <a:spcPts val="600"/>
+              </a:spcAft>
+              <a:buClr>
+                <a:schemeClr val="accent1"/>
+              </a:buClr>
+              <a:buSzPct val="100000"/>
+              <a:buFont typeface="Arial" panose="020B0604020202020204" pitchFamily="34" charset="0"/>
+              <a:buChar char="•"/>
+            </a:pPr>
+            <a:r>
+              <a:rPr lang="ko-KR" altLang="en-US" dirty="0"/>
+              <a:t>그래도 이미지 자원은 나름 열심히 만들었다</a:t>
+            </a:r>
+            <a:r>
+              <a:rPr lang="en-US" altLang="ko-KR" dirty="0"/>
               <a:t>. </a:t>
             </a:r>
             <a:r>
-              <a:rPr lang="ko-KR" altLang="en-US"/>
+              <a:rPr lang="ko-KR" altLang="en-US" dirty="0" err="1"/>
               <a:t>ㅠㅠ</a:t>
             </a:r>
-            <a:endParaRPr lang="en-US" altLang="ko-KR"/>
+            <a:endParaRPr lang="en-US" altLang="ko-KR" dirty="0"/>
           </a:p>
         </p:txBody>
       </p:sp>
       <p:pic>
         <p:nvPicPr>
-          <p:cNvPr id="6" name="그림 5">
+          <p:cNvPr id="25" name="Picture 24">
             <a:extLst>
               <a:ext uri="{FF2B5EF4-FFF2-40B4-BE49-F238E27FC236}">
-                <a16:creationId xmlns:a16="http://schemas.microsoft.com/office/drawing/2014/main" id="{62AC9858-E7CB-4957-A056-6F24B27EC6C1}"/>
+                <a16:creationId xmlns:a16="http://schemas.microsoft.com/office/drawing/2014/main" id="{39D1DDD4-5BB3-45BA-B9B3-06B62299AD79}"/>
+              </a:ext>
+              <a:ext uri="{C183D7F6-B498-43B3-948B-1728B52AA6E4}">
+                <adec:decorative xmlns:adec="http://schemas.microsoft.com/office/drawing/2017/decorative" val="1"/>
+              </a:ext>
+            </a:extLst>
+          </p:cNvPr>
+          <p:cNvPicPr>
+            <a:picLocks noGrp="1" noRot="1" noChangeAspect="1" noMove="1" noResize="1" noEditPoints="1" noAdjustHandles="1" noChangeArrowheads="1" noChangeShapeType="1" noCrop="1"/>
+          </p:cNvPicPr>
+          <p:nvPr>
+            <p:extLst>
+              <p:ext uri="{386F3935-93C4-4BCD-93E2-E3B085C9AB24}">
+                <p16:designElem xmlns:p16="http://schemas.microsoft.com/office/powerpoint/2015/main" val="1"/>
+              </p:ext>
+            </p:extLst>
+          </p:nvPr>
+        </p:nvPicPr>
+        <p:blipFill rotWithShape="1">
+          <a:blip r:embed="rId2">
+            <a:extLst>
+              <a:ext uri="{28A0092B-C50C-407E-A947-70E740481C1C}">
+                <a14:useLocalDpi xmlns:a14="http://schemas.microsoft.com/office/drawing/2010/main" val="0"/>
+              </a:ext>
+            </a:extLst>
+          </a:blip>
+          <a:srcRect t="1538" b="-1538"/>
+          <a:stretch/>
+        </p:blipFill>
+        <p:spPr bwMode="black">
+          <a:xfrm>
+            <a:off x="0" y="6126480"/>
+            <a:ext cx="12192000" cy="742950"/>
+          </a:xfrm>
+          <a:prstGeom prst="rect">
+            <a:avLst/>
+          </a:prstGeom>
+        </p:spPr>
+      </p:pic>
+      <p:cxnSp>
+        <p:nvCxnSpPr>
+          <p:cNvPr id="27" name="Straight Connector 26">
+            <a:extLst>
+              <a:ext uri="{FF2B5EF4-FFF2-40B4-BE49-F238E27FC236}">
+                <a16:creationId xmlns:a16="http://schemas.microsoft.com/office/drawing/2014/main" id="{A24DAE64-2302-42EA-8239-F2F0775CA5AD}"/>
+              </a:ext>
+              <a:ext uri="{C183D7F6-B498-43B3-948B-1728B52AA6E4}">
+                <adec:decorative xmlns:adec="http://schemas.microsoft.com/office/drawing/2017/decorative" val="1"/>
+              </a:ext>
+            </a:extLst>
+          </p:cNvPr>
+          <p:cNvCxnSpPr>
+            <a:cxnSpLocks noGrp="1" noRot="1" noChangeAspect="1" noMove="1" noResize="1" noEditPoints="1" noAdjustHandles="1" noChangeArrowheads="1" noChangeShapeType="1"/>
+          </p:cNvCxnSpPr>
+          <p:nvPr>
+            <p:extLst>
+              <p:ext uri="{386F3935-93C4-4BCD-93E2-E3B085C9AB24}">
+                <p16:designElem xmlns:p16="http://schemas.microsoft.com/office/powerpoint/2015/main" val="1"/>
+              </p:ext>
+            </p:extLst>
+          </p:nvPr>
+        </p:nvCxnSpPr>
+        <p:spPr>
+          <a:xfrm>
+            <a:off x="0" y="6128413"/>
+            <a:ext cx="12192000" cy="0"/>
+          </a:xfrm>
+          <a:prstGeom prst="line">
+            <a:avLst/>
+          </a:prstGeom>
+          <a:ln w="12700">
+            <a:solidFill>
+              <a:srgbClr val="000001">
+                <a:alpha val="20000"/>
+              </a:srgbClr>
+            </a:solidFill>
+          </a:ln>
+        </p:spPr>
+        <p:style>
+          <a:lnRef idx="1">
+            <a:schemeClr val="accent1"/>
+          </a:lnRef>
+          <a:fillRef idx="0">
+            <a:schemeClr val="accent1"/>
+          </a:fillRef>
+          <a:effectRef idx="0">
+            <a:schemeClr val="accent1"/>
+          </a:effectRef>
+          <a:fontRef idx="minor">
+            <a:schemeClr val="tx1"/>
+          </a:fontRef>
+        </p:style>
+      </p:cxnSp>
+      <p:pic>
+        <p:nvPicPr>
+          <p:cNvPr id="5" name="그림 4">
+            <a:extLst>
+              <a:ext uri="{FF2B5EF4-FFF2-40B4-BE49-F238E27FC236}">
+                <a16:creationId xmlns:a16="http://schemas.microsoft.com/office/drawing/2014/main" id="{6A265C33-E143-4E73-BDE6-DDB9B7BEDE1C}"/>
               </a:ext>
             </a:extLst>
           </p:cNvPr>
@@ -5822,8 +5971,8 @@
         </p:blipFill>
         <p:spPr>
           <a:xfrm>
-            <a:off x="6094411" y="1740840"/>
-            <a:ext cx="4960442" cy="2790248"/>
+            <a:off x="7322996" y="1091714"/>
+            <a:ext cx="4674571" cy="4674571"/>
           </a:xfrm>
           <a:prstGeom prst="rect">
             <a:avLst/>
@@ -5832,102 +5981,40 @@
       </p:pic>
       <p:pic>
         <p:nvPicPr>
-          <p:cNvPr id="25" name="Picture 24">
+          <p:cNvPr id="8" name="그림 7">
             <a:extLst>
               <a:ext uri="{FF2B5EF4-FFF2-40B4-BE49-F238E27FC236}">
-                <a16:creationId xmlns:a16="http://schemas.microsoft.com/office/drawing/2014/main" id="{39D1DDD4-5BB3-45BA-B9B3-06B62299AD79}"/>
-              </a:ext>
-              <a:ext uri="{C183D7F6-B498-43B3-948B-1728B52AA6E4}">
-                <adec:decorative xmlns:adec="http://schemas.microsoft.com/office/drawing/2017/decorative" val="1"/>
+                <a16:creationId xmlns:a16="http://schemas.microsoft.com/office/drawing/2014/main" id="{2BACF31C-D5E9-473C-AD37-ED523589C824}"/>
               </a:ext>
             </a:extLst>
           </p:cNvPr>
           <p:cNvPicPr>
-            <a:picLocks noGrp="1" noRot="1" noChangeAspect="1" noMove="1" noResize="1" noEditPoints="1" noAdjustHandles="1" noChangeArrowheads="1" noChangeShapeType="1" noCrop="1"/>
+            <a:picLocks noChangeAspect="1"/>
           </p:cNvPicPr>
-          <p:nvPr>
-            <p:extLst>
-              <p:ext uri="{386F3935-93C4-4BCD-93E2-E3B085C9AB24}">
-                <p16:designElem xmlns:p16="http://schemas.microsoft.com/office/powerpoint/2015/main" val="1"/>
-              </p:ext>
-            </p:extLst>
-          </p:nvPr>
+          <p:nvPr/>
         </p:nvPicPr>
-        <p:blipFill rotWithShape="1">
-          <a:blip r:embed="rId2">
+        <p:blipFill>
+          <a:blip r:embed="rId4">
             <a:extLst>
               <a:ext uri="{28A0092B-C50C-407E-A947-70E740481C1C}">
                 <a14:useLocalDpi xmlns:a14="http://schemas.microsoft.com/office/drawing/2010/main" val="0"/>
               </a:ext>
             </a:extLst>
           </a:blip>
-          <a:srcRect t="1538" b="-1538"/>
-          <a:stretch/>
+          <a:stretch>
+            <a:fillRect/>
+          </a:stretch>
         </p:blipFill>
-        <p:spPr bwMode="black">
-          <a:xfrm>
-            <a:off x="0" y="6126480"/>
-            <a:ext cx="12192000" cy="742950"/>
+        <p:spPr>
+          <a:xfrm>
+            <a:off x="5488070" y="2658275"/>
+            <a:ext cx="3174603" cy="3174603"/>
           </a:xfrm>
           <a:prstGeom prst="rect">
             <a:avLst/>
           </a:prstGeom>
         </p:spPr>
       </p:pic>
-      <p:cxnSp>
-        <p:nvCxnSpPr>
-          <p:cNvPr id="27" name="Straight Connector 26">
-            <a:extLst>
-              <a:ext uri="{FF2B5EF4-FFF2-40B4-BE49-F238E27FC236}">
-                <a16:creationId xmlns:a16="http://schemas.microsoft.com/office/drawing/2014/main" id="{A24DAE64-2302-42EA-8239-F2F0775CA5AD}"/>
-              </a:ext>
-              <a:ext uri="{C183D7F6-B498-43B3-948B-1728B52AA6E4}">
-                <adec:decorative xmlns:adec="http://schemas.microsoft.com/office/drawing/2017/decorative" val="1"/>
-              </a:ext>
-            </a:extLst>
-          </p:cNvPr>
-          <p:cNvCxnSpPr>
-            <a:cxnSpLocks noGrp="1" noRot="1" noChangeAspect="1" noMove="1" noResize="1" noEditPoints="1" noAdjustHandles="1" noChangeArrowheads="1" noChangeShapeType="1"/>
-          </p:cNvCxnSpPr>
-          <p:nvPr>
-            <p:extLst>
-              <p:ext uri="{386F3935-93C4-4BCD-93E2-E3B085C9AB24}">
-                <p16:designElem xmlns:p16="http://schemas.microsoft.com/office/powerpoint/2015/main" val="1"/>
-              </p:ext>
-            </p:extLst>
-          </p:nvPr>
-        </p:nvCxnSpPr>
-        <p:spPr>
-          <a:xfrm>
-            <a:off x="0" y="6128413"/>
-            <a:ext cx="12192000" cy="0"/>
-          </a:xfrm>
-          <a:prstGeom prst="line">
-            <a:avLst/>
-          </a:prstGeom>
-          <a:ln w="12700">
-            <a:solidFill>
-              <a:srgbClr val="000001">
-                <a:alpha val="20000"/>
-              </a:srgbClr>
-            </a:solidFill>
-          </a:ln>
-        </p:spPr>
-        <p:style>
-          <a:lnRef idx="1">
-            <a:schemeClr val="accent1"/>
-          </a:lnRef>
-          <a:fillRef idx="0">
-            <a:schemeClr val="accent1"/>
-          </a:fillRef>
-          <a:effectRef idx="0">
-            <a:schemeClr val="accent1"/>
-          </a:effectRef>
-          <a:fontRef idx="minor">
-            <a:schemeClr val="tx1"/>
-          </a:fontRef>
-        </p:style>
-      </p:cxnSp>
     </p:spTree>
     <p:extLst>
       <p:ext uri="{BB962C8B-B14F-4D97-AF65-F5344CB8AC3E}">

--- a/2D겜플 최종발표.pptx
+++ b/2D겜플 최종발표.pptx
@@ -5945,10 +5945,10 @@
       </p:cxnSp>
       <p:pic>
         <p:nvPicPr>
-          <p:cNvPr id="5" name="그림 4">
+          <p:cNvPr id="6" name="그림 5">
             <a:extLst>
               <a:ext uri="{FF2B5EF4-FFF2-40B4-BE49-F238E27FC236}">
-                <a16:creationId xmlns:a16="http://schemas.microsoft.com/office/drawing/2014/main" id="{6A265C33-E143-4E73-BDE6-DDB9B7BEDE1C}"/>
+                <a16:creationId xmlns:a16="http://schemas.microsoft.com/office/drawing/2014/main" id="{48120B8B-5590-4615-8B2D-E5898CCB8DCE}"/>
               </a:ext>
             </a:extLst>
           </p:cNvPr>
@@ -5971,8 +5971,8 @@
         </p:blipFill>
         <p:spPr>
           <a:xfrm>
-            <a:off x="7322996" y="1091714"/>
-            <a:ext cx="4674571" cy="4674571"/>
+            <a:off x="5855391" y="1409737"/>
+            <a:ext cx="6048152" cy="4536114"/>
           </a:xfrm>
           <a:prstGeom prst="rect">
             <a:avLst/>
@@ -5981,10 +5981,10 @@
       </p:pic>
       <p:pic>
         <p:nvPicPr>
-          <p:cNvPr id="8" name="그림 7">
+          <p:cNvPr id="5" name="그림 4">
             <a:extLst>
               <a:ext uri="{FF2B5EF4-FFF2-40B4-BE49-F238E27FC236}">
-                <a16:creationId xmlns:a16="http://schemas.microsoft.com/office/drawing/2014/main" id="{2BACF31C-D5E9-473C-AD37-ED523589C824}"/>
+                <a16:creationId xmlns:a16="http://schemas.microsoft.com/office/drawing/2014/main" id="{6A265C33-E143-4E73-BDE6-DDB9B7BEDE1C}"/>
               </a:ext>
             </a:extLst>
           </p:cNvPr>
@@ -6007,7 +6007,43 @@
         </p:blipFill>
         <p:spPr>
           <a:xfrm>
-            <a:off x="5488070" y="2658275"/>
+            <a:off x="7315519" y="1091714"/>
+            <a:ext cx="4674571" cy="4674571"/>
+          </a:xfrm>
+          <a:prstGeom prst="rect">
+            <a:avLst/>
+          </a:prstGeom>
+        </p:spPr>
+      </p:pic>
+      <p:pic>
+        <p:nvPicPr>
+          <p:cNvPr id="8" name="그림 7">
+            <a:extLst>
+              <a:ext uri="{FF2B5EF4-FFF2-40B4-BE49-F238E27FC236}">
+                <a16:creationId xmlns:a16="http://schemas.microsoft.com/office/drawing/2014/main" id="{2BACF31C-D5E9-473C-AD37-ED523589C824}"/>
+              </a:ext>
+            </a:extLst>
+          </p:cNvPr>
+          <p:cNvPicPr>
+            <a:picLocks noChangeAspect="1"/>
+          </p:cNvPicPr>
+          <p:nvPr/>
+        </p:nvPicPr>
+        <p:blipFill>
+          <a:blip r:embed="rId5">
+            <a:extLst>
+              <a:ext uri="{28A0092B-C50C-407E-A947-70E740481C1C}">
+                <a14:useLocalDpi xmlns:a14="http://schemas.microsoft.com/office/drawing/2010/main" val="0"/>
+              </a:ext>
+            </a:extLst>
+          </a:blip>
+          <a:stretch>
+            <a:fillRect/>
+          </a:stretch>
+        </p:blipFill>
+        <p:spPr>
+          <a:xfrm>
+            <a:off x="5728218" y="2712075"/>
             <a:ext cx="3174603" cy="3174603"/>
           </a:xfrm>
           <a:prstGeom prst="rect">

--- a/2D겜플 최종발표.pptx
+++ b/2D겜플 최종발표.pptx
@@ -4067,6 +4067,30 @@
 <file path=ppt/slides/slide2.xml><?xml version="1.0" encoding="utf-8"?>
 <p:sld xmlns:a="http://schemas.openxmlformats.org/drawingml/2006/main" xmlns:r="http://schemas.openxmlformats.org/officeDocument/2006/relationships" xmlns:p="http://schemas.openxmlformats.org/presentationml/2006/main">
   <p:cSld>
+    <p:bg>
+      <p:bgPr>
+        <a:gradFill rotWithShape="1">
+          <a:gsLst>
+            <a:gs pos="0">
+              <a:schemeClr val="bg2">
+                <a:tint val="94000"/>
+                <a:satMod val="80000"/>
+                <a:lumMod val="106000"/>
+              </a:schemeClr>
+            </a:gs>
+            <a:gs pos="100000">
+              <a:schemeClr val="bg2">
+                <a:shade val="80000"/>
+              </a:schemeClr>
+            </a:gs>
+          </a:gsLst>
+          <a:path path="circle">
+            <a:fillToRect l="43000" r="43000" b="100000"/>
+          </a:path>
+        </a:gradFill>
+        <a:effectLst/>
+      </p:bgPr>
+    </p:bg>
     <p:spTree>
       <p:nvGrpSpPr>
         <p:cNvPr id="1" name=""/>
@@ -4081,6 +4105,114 @@
           <a:chExt cx="0" cy="0"/>
         </a:xfrm>
       </p:grpSpPr>
+      <p:sp useBgFill="1">
+        <p:nvSpPr>
+          <p:cNvPr id="10" name="Rectangle 9">
+            <a:extLst>
+              <a:ext uri="{FF2B5EF4-FFF2-40B4-BE49-F238E27FC236}">
+                <a16:creationId xmlns:a16="http://schemas.microsoft.com/office/drawing/2014/main" id="{021A4066-B261-49FE-952E-A0FE3EE75CD2}"/>
+              </a:ext>
+              <a:ext uri="{C183D7F6-B498-43B3-948B-1728B52AA6E4}">
+                <adec:decorative xmlns:adec="http://schemas.microsoft.com/office/drawing/2017/decorative" val="1"/>
+              </a:ext>
+            </a:extLst>
+          </p:cNvPr>
+          <p:cNvSpPr>
+            <a:spLocks noGrp="1" noRot="1" noChangeAspect="1" noMove="1" noResize="1" noEditPoints="1" noAdjustHandles="1" noChangeArrowheads="1" noChangeShapeType="1" noTextEdit="1"/>
+          </p:cNvSpPr>
+          <p:nvPr>
+            <p:extLst>
+              <p:ext uri="{386F3935-93C4-4BCD-93E2-E3B085C9AB24}">
+                <p16:designElem xmlns:p16="http://schemas.microsoft.com/office/powerpoint/2015/main" val="1"/>
+              </p:ext>
+            </p:extLst>
+          </p:nvPr>
+        </p:nvSpPr>
+        <p:spPr>
+          <a:xfrm>
+            <a:off x="2" y="0"/>
+            <a:ext cx="12191695" cy="6858000"/>
+          </a:xfrm>
+          <a:prstGeom prst="rect">
+            <a:avLst/>
+          </a:prstGeom>
+          <a:ln>
+            <a:noFill/>
+          </a:ln>
+        </p:spPr>
+        <p:style>
+          <a:lnRef idx="2">
+            <a:schemeClr val="accent1">
+              <a:shade val="50000"/>
+            </a:schemeClr>
+          </a:lnRef>
+          <a:fillRef idx="1">
+            <a:schemeClr val="accent1"/>
+          </a:fillRef>
+          <a:effectRef idx="0">
+            <a:schemeClr val="accent1"/>
+          </a:effectRef>
+          <a:fontRef idx="minor">
+            <a:schemeClr val="lt1"/>
+          </a:fontRef>
+        </p:style>
+        <p:txBody>
+          <a:bodyPr rtlCol="0" anchor="ctr"/>
+          <a:lstStyle/>
+          <a:p>
+            <a:pPr algn="ctr"/>
+            <a:endParaRPr lang="en-US"/>
+          </a:p>
+        </p:txBody>
+      </p:sp>
+      <p:cxnSp>
+        <p:nvCxnSpPr>
+          <p:cNvPr id="12" name="Straight Connector 11">
+            <a:extLst>
+              <a:ext uri="{FF2B5EF4-FFF2-40B4-BE49-F238E27FC236}">
+                <a16:creationId xmlns:a16="http://schemas.microsoft.com/office/drawing/2014/main" id="{381B4579-E2EA-4BD7-94FF-0A0BEE135C6B}"/>
+              </a:ext>
+              <a:ext uri="{C183D7F6-B498-43B3-948B-1728B52AA6E4}">
+                <adec:decorative xmlns:adec="http://schemas.microsoft.com/office/drawing/2017/decorative" val="1"/>
+              </a:ext>
+            </a:extLst>
+          </p:cNvPr>
+          <p:cNvCxnSpPr>
+            <a:cxnSpLocks noGrp="1" noRot="1" noChangeAspect="1" noMove="1" noResize="1" noEditPoints="1" noAdjustHandles="1" noChangeArrowheads="1" noChangeShapeType="1"/>
+          </p:cNvCxnSpPr>
+          <p:nvPr>
+            <p:extLst>
+              <p:ext uri="{386F3935-93C4-4BCD-93E2-E3B085C9AB24}">
+                <p16:designElem xmlns:p16="http://schemas.microsoft.com/office/powerpoint/2015/main" val="1"/>
+              </p:ext>
+            </p:extLst>
+          </p:nvPr>
+        </p:nvCxnSpPr>
+        <p:spPr>
+          <a:xfrm>
+            <a:off x="1453896" y="1847088"/>
+            <a:ext cx="3530885" cy="0"/>
+          </a:xfrm>
+          <a:prstGeom prst="line">
+            <a:avLst/>
+          </a:prstGeom>
+          <a:ln w="31750"/>
+        </p:spPr>
+        <p:style>
+          <a:lnRef idx="3">
+            <a:schemeClr val="accent1"/>
+          </a:lnRef>
+          <a:fillRef idx="0">
+            <a:schemeClr val="accent1"/>
+          </a:fillRef>
+          <a:effectRef idx="2">
+            <a:schemeClr val="accent1"/>
+          </a:effectRef>
+          <a:fontRef idx="minor">
+            <a:schemeClr val="tx1"/>
+          </a:fontRef>
+        </p:style>
+      </p:cxnSp>
       <p:sp>
         <p:nvSpPr>
           <p:cNvPr id="2" name="제목 1">
@@ -4099,18 +4231,94 @@
         </p:nvSpPr>
         <p:spPr>
           <a:xfrm>
-            <a:off x="1451579" y="804519"/>
-            <a:ext cx="9603275" cy="1049235"/>
+            <a:off x="1451580" y="804520"/>
+            <a:ext cx="3530157" cy="1049235"/>
           </a:xfrm>
         </p:spPr>
         <p:txBody>
-          <a:bodyPr/>
+          <a:bodyPr>
+            <a:normAutofit/>
+          </a:bodyPr>
           <a:lstStyle/>
           <a:p>
             <a:r>
               <a:rPr lang="ko-KR" altLang="en-US" dirty="0"/>
               <a:t>게임 소개</a:t>
             </a:r>
+          </a:p>
+        </p:txBody>
+      </p:sp>
+      <p:sp>
+        <p:nvSpPr>
+          <p:cNvPr id="14" name="Rectangle 13">
+            <a:extLst>
+              <a:ext uri="{FF2B5EF4-FFF2-40B4-BE49-F238E27FC236}">
+                <a16:creationId xmlns:a16="http://schemas.microsoft.com/office/drawing/2014/main" id="{81958111-BC13-4D45-AB27-0C2C83F9BA64}"/>
+              </a:ext>
+              <a:ext uri="{C183D7F6-B498-43B3-948B-1728B52AA6E4}">
+                <adec:decorative xmlns:adec="http://schemas.microsoft.com/office/drawing/2017/decorative" val="1"/>
+              </a:ext>
+            </a:extLst>
+          </p:cNvPr>
+          <p:cNvSpPr>
+            <a:spLocks noGrp="1" noRot="1" noChangeAspect="1" noMove="1" noResize="1" noEditPoints="1" noAdjustHandles="1" noChangeArrowheads="1" noChangeShapeType="1" noTextEdit="1"/>
+          </p:cNvSpPr>
+          <p:nvPr>
+            <p:extLst>
+              <p:ext uri="{386F3935-93C4-4BCD-93E2-E3B085C9AB24}">
+                <p16:designElem xmlns:p16="http://schemas.microsoft.com/office/powerpoint/2015/main" val="1"/>
+              </p:ext>
+            </p:extLst>
+          </p:nvPr>
+        </p:nvSpPr>
+        <p:spPr>
+          <a:xfrm>
+            <a:off x="0" y="2019476"/>
+            <a:ext cx="12192000" cy="4105941"/>
+          </a:xfrm>
+          <a:prstGeom prst="rect">
+            <a:avLst/>
+          </a:prstGeom>
+          <a:gradFill flip="none" rotWithShape="1">
+            <a:gsLst>
+              <a:gs pos="0">
+                <a:schemeClr val="bg2">
+                  <a:alpha val="0"/>
+                </a:schemeClr>
+              </a:gs>
+              <a:gs pos="100000">
+                <a:schemeClr val="bg2"/>
+              </a:gs>
+            </a:gsLst>
+            <a:lin ang="5400000" scaled="0"/>
+            <a:tileRect/>
+          </a:gradFill>
+          <a:ln>
+            <a:noFill/>
+          </a:ln>
+        </p:spPr>
+        <p:style>
+          <a:lnRef idx="2">
+            <a:schemeClr val="accent1">
+              <a:shade val="50000"/>
+            </a:schemeClr>
+          </a:lnRef>
+          <a:fillRef idx="1">
+            <a:schemeClr val="accent1"/>
+          </a:fillRef>
+          <a:effectRef idx="0">
+            <a:schemeClr val="accent1"/>
+          </a:effectRef>
+          <a:fontRef idx="minor">
+            <a:schemeClr val="lt1"/>
+          </a:fontRef>
+        </p:style>
+        <p:txBody>
+          <a:bodyPr rtlCol="0" anchor="ctr"/>
+          <a:lstStyle/>
+          <a:p>
+            <a:pPr lvl="0" algn="ctr"/>
+            <a:endParaRPr lang="en-US"/>
           </a:p>
         </p:txBody>
       </p:sp>
@@ -4132,12 +4340,14 @@
         </p:nvSpPr>
         <p:spPr>
           <a:xfrm>
-            <a:off x="1451579" y="2015732"/>
-            <a:ext cx="3484315" cy="3450613"/>
+            <a:off x="1451581" y="2015732"/>
+            <a:ext cx="3526523" cy="3450613"/>
           </a:xfrm>
         </p:spPr>
         <p:txBody>
-          <a:bodyPr/>
+          <a:bodyPr>
+            <a:normAutofit/>
+          </a:bodyPr>
           <a:lstStyle/>
           <a:p>
             <a:r>
@@ -4170,7 +4380,7 @@
           <a:p>
             <a:r>
               <a:rPr lang="ko-KR" altLang="en-US" dirty="0"/>
-              <a:t>적을 처치하고 </a:t>
+              <a:t>적을 처치하며 </a:t>
             </a:r>
             <a:r>
               <a:rPr lang="en-US" altLang="ko-KR" dirty="0"/>
@@ -4188,6 +4398,203 @@
           </a:p>
         </p:txBody>
       </p:sp>
+      <p:grpSp>
+        <p:nvGrpSpPr>
+          <p:cNvPr id="16" name="Group 15">
+            <a:extLst>
+              <a:ext uri="{FF2B5EF4-FFF2-40B4-BE49-F238E27FC236}">
+                <a16:creationId xmlns:a16="http://schemas.microsoft.com/office/drawing/2014/main" id="{82188758-E18A-4CE5-9D03-F4BF5D887C3F}"/>
+              </a:ext>
+              <a:ext uri="{C183D7F6-B498-43B3-948B-1728B52AA6E4}">
+                <adec:decorative xmlns:adec="http://schemas.microsoft.com/office/drawing/2017/decorative" val="1"/>
+              </a:ext>
+            </a:extLst>
+          </p:cNvPr>
+          <p:cNvGrpSpPr>
+            <a:grpSpLocks noGrp="1" noUngrp="1" noRot="1" noChangeAspect="1" noMove="1" noResize="1"/>
+          </p:cNvGrpSpPr>
+          <p:nvPr>
+            <p:extLst>
+              <p:ext uri="{386F3935-93C4-4BCD-93E2-E3B085C9AB24}">
+                <p16:designElem xmlns:p16="http://schemas.microsoft.com/office/powerpoint/2015/main" val="1"/>
+              </p:ext>
+            </p:extLst>
+          </p:nvPr>
+        </p:nvGrpSpPr>
+        <p:grpSpPr>
+          <a:xfrm>
+            <a:off x="5460131" y="482171"/>
+            <a:ext cx="6091791" cy="5149101"/>
+            <a:chOff x="5446003" y="583365"/>
+            <a:chExt cx="6091790" cy="5181928"/>
+          </a:xfrm>
+        </p:grpSpPr>
+        <p:sp>
+          <p:nvSpPr>
+            <p:cNvPr id="17" name="Rectangle 16">
+              <a:extLst>
+                <a:ext uri="{FF2B5EF4-FFF2-40B4-BE49-F238E27FC236}">
+                  <a16:creationId xmlns:a16="http://schemas.microsoft.com/office/drawing/2014/main" id="{821513DD-C15F-4381-AEA6-ED9E5E218CA6}"/>
+                </a:ext>
+                <a:ext uri="{C183D7F6-B498-43B3-948B-1728B52AA6E4}">
+                  <adec:decorative xmlns:adec="http://schemas.microsoft.com/office/drawing/2017/decorative" val="1"/>
+                </a:ext>
+              </a:extLst>
+            </p:cNvPr>
+            <p:cNvSpPr/>
+            <p:nvPr>
+              <p:extLst>
+                <p:ext uri="{386F3935-93C4-4BCD-93E2-E3B085C9AB24}">
+                  <p16:designElem xmlns:p16="http://schemas.microsoft.com/office/powerpoint/2015/main" val="1"/>
+                </p:ext>
+              </p:extLst>
+            </p:nvPr>
+          </p:nvSpPr>
+          <p:spPr>
+            <a:xfrm>
+              <a:off x="5446003" y="583365"/>
+              <a:ext cx="6091790" cy="5181928"/>
+            </a:xfrm>
+            <a:prstGeom prst="rect">
+              <a:avLst/>
+            </a:prstGeom>
+            <a:gradFill>
+              <a:gsLst>
+                <a:gs pos="0">
+                  <a:srgbClr val="000001"/>
+                </a:gs>
+                <a:gs pos="100000">
+                  <a:srgbClr val="191919"/>
+                </a:gs>
+              </a:gsLst>
+            </a:gradFill>
+            <a:ln w="76200" cmpd="sng">
+              <a:noFill/>
+              <a:miter lim="800000"/>
+            </a:ln>
+            <a:effectLst>
+              <a:outerShdw blurRad="127000" dist="228600" dir="4740000" sx="98000" sy="98000" algn="tl" rotWithShape="0">
+                <a:srgbClr val="000000">
+                  <a:alpha val="34000"/>
+                </a:srgbClr>
+              </a:outerShdw>
+            </a:effectLst>
+            <a:scene3d>
+              <a:camera prst="orthographicFront"/>
+              <a:lightRig rig="threePt" dir="t"/>
+            </a:scene3d>
+            <a:sp3d>
+              <a:bevelT w="152400" h="50800" prst="softRound"/>
+            </a:sp3d>
+          </p:spPr>
+          <p:style>
+            <a:lnRef idx="1">
+              <a:schemeClr val="accent1"/>
+            </a:lnRef>
+            <a:fillRef idx="3">
+              <a:schemeClr val="accent1"/>
+            </a:fillRef>
+            <a:effectRef idx="2">
+              <a:schemeClr val="accent1"/>
+            </a:effectRef>
+            <a:fontRef idx="minor">
+              <a:schemeClr val="lt1"/>
+            </a:fontRef>
+          </p:style>
+          <p:txBody>
+            <a:bodyPr rtlCol="0" anchor="ctr"/>
+            <a:lstStyle/>
+            <a:p>
+              <a:pPr algn="ctr"/>
+              <a:endParaRPr lang="en-US"/>
+            </a:p>
+          </p:txBody>
+        </p:sp>
+        <p:sp>
+          <p:nvSpPr>
+            <p:cNvPr id="18" name="Rectangle 17">
+              <a:extLst>
+                <a:ext uri="{FF2B5EF4-FFF2-40B4-BE49-F238E27FC236}">
+                  <a16:creationId xmlns:a16="http://schemas.microsoft.com/office/drawing/2014/main" id="{CED2DE01-7F43-4858-85FC-27022DA78120}"/>
+                </a:ext>
+                <a:ext uri="{C183D7F6-B498-43B3-948B-1728B52AA6E4}">
+                  <adec:decorative xmlns:adec="http://schemas.microsoft.com/office/drawing/2017/decorative" val="1"/>
+                </a:ext>
+              </a:extLst>
+            </p:cNvPr>
+            <p:cNvSpPr/>
+            <p:nvPr>
+              <p:extLst>
+                <p:ext uri="{386F3935-93C4-4BCD-93E2-E3B085C9AB24}">
+                  <p16:designElem xmlns:p16="http://schemas.microsoft.com/office/powerpoint/2015/main" val="1"/>
+                </p:ext>
+              </p:extLst>
+            </p:nvPr>
+          </p:nvSpPr>
+          <p:spPr>
+            <a:xfrm>
+              <a:off x="5764828" y="915807"/>
+              <a:ext cx="5461779" cy="4494927"/>
+            </a:xfrm>
+            <a:prstGeom prst="rect">
+              <a:avLst/>
+            </a:prstGeom>
+            <a:gradFill>
+              <a:gsLst>
+                <a:gs pos="0">
+                  <a:srgbClr val="DADADA"/>
+                </a:gs>
+                <a:gs pos="100000">
+                  <a:srgbClr val="FFFFFE"/>
+                </a:gs>
+              </a:gsLst>
+              <a:lin ang="16200000" scaled="0"/>
+            </a:gradFill>
+            <a:ln w="50800" cmpd="sng">
+              <a:solidFill>
+                <a:srgbClr val="191919"/>
+              </a:solidFill>
+              <a:miter lim="800000"/>
+            </a:ln>
+            <a:effectLst>
+              <a:innerShdw blurRad="63500" dist="88900" dir="14100000">
+                <a:srgbClr val="000000">
+                  <a:alpha val="30000"/>
+                </a:srgbClr>
+              </a:innerShdw>
+            </a:effectLst>
+            <a:scene3d>
+              <a:camera prst="orthographicFront"/>
+              <a:lightRig rig="threePt" dir="t"/>
+            </a:scene3d>
+            <a:sp3d>
+              <a:bevelT prst="relaxedInset"/>
+            </a:sp3d>
+          </p:spPr>
+          <p:style>
+            <a:lnRef idx="1">
+              <a:schemeClr val="accent1"/>
+            </a:lnRef>
+            <a:fillRef idx="3">
+              <a:schemeClr val="accent1"/>
+            </a:fillRef>
+            <a:effectRef idx="2">
+              <a:schemeClr val="accent1"/>
+            </a:effectRef>
+            <a:fontRef idx="minor">
+              <a:schemeClr val="lt1"/>
+            </a:fontRef>
+          </p:style>
+          <p:txBody>
+            <a:bodyPr rtlCol="0" anchor="ctr"/>
+            <a:lstStyle/>
+            <a:p>
+              <a:pPr algn="ctr"/>
+              <a:endParaRPr lang="en-US"/>
+            </a:p>
+          </p:txBody>
+        </p:sp>
+      </p:grpSp>
       <p:pic>
         <p:nvPicPr>
           <p:cNvPr id="5" name="그림 4">
@@ -4210,19 +4617,117 @@
               </a:ext>
             </a:extLst>
           </a:blip>
-          <a:srcRect l="12551" r="12526"/>
+          <a:srcRect l="3349" r="4" b="4"/>
           <a:stretch/>
         </p:blipFill>
         <p:spPr>
           <a:xfrm>
-            <a:off x="5096304" y="808189"/>
-            <a:ext cx="6417672" cy="4818170"/>
+            <a:off x="6093926" y="1116345"/>
+            <a:ext cx="4821551" cy="3866172"/>
           </a:xfrm>
           <a:prstGeom prst="rect">
             <a:avLst/>
           </a:prstGeom>
         </p:spPr>
       </p:pic>
+      <p:pic>
+        <p:nvPicPr>
+          <p:cNvPr id="20" name="Picture 19">
+            <a:extLst>
+              <a:ext uri="{FF2B5EF4-FFF2-40B4-BE49-F238E27FC236}">
+                <a16:creationId xmlns:a16="http://schemas.microsoft.com/office/drawing/2014/main" id="{D42F4933-2ECF-4EE5-BCE4-F19E3CA609FE}"/>
+              </a:ext>
+              <a:ext uri="{C183D7F6-B498-43B3-948B-1728B52AA6E4}">
+                <adec:decorative xmlns:adec="http://schemas.microsoft.com/office/drawing/2017/decorative" val="1"/>
+              </a:ext>
+            </a:extLst>
+          </p:cNvPr>
+          <p:cNvPicPr>
+            <a:picLocks noGrp="1" noRot="1" noChangeAspect="1" noMove="1" noResize="1" noEditPoints="1" noAdjustHandles="1" noChangeArrowheads="1" noChangeShapeType="1" noCrop="1"/>
+          </p:cNvPicPr>
+          <p:nvPr>
+            <p:extLst>
+              <p:ext uri="{386F3935-93C4-4BCD-93E2-E3B085C9AB24}">
+                <p16:designElem xmlns:p16="http://schemas.microsoft.com/office/powerpoint/2015/main" val="1"/>
+              </p:ext>
+            </p:extLst>
+          </p:nvPr>
+        </p:nvPicPr>
+        <p:blipFill rotWithShape="1">
+          <a:blip r:embed="rId3">
+            <a:extLst>
+              <a:ext uri="{28A0092B-C50C-407E-A947-70E740481C1C}">
+                <a14:useLocalDpi xmlns:a14="http://schemas.microsoft.com/office/drawing/2010/main" val="0"/>
+              </a:ext>
+            </a:extLst>
+          </a:blip>
+          <a:srcRect t="1538" b="-1538"/>
+          <a:stretch/>
+        </p:blipFill>
+        <p:spPr bwMode="black">
+          <a:xfrm>
+            <a:off x="0" y="6126480"/>
+            <a:ext cx="12192000" cy="742950"/>
+          </a:xfrm>
+          <a:prstGeom prst="rect">
+            <a:avLst/>
+          </a:prstGeom>
+        </p:spPr>
+      </p:pic>
+      <p:cxnSp>
+        <p:nvCxnSpPr>
+          <p:cNvPr id="22" name="Straight Connector 21">
+            <a:extLst>
+              <a:ext uri="{FF2B5EF4-FFF2-40B4-BE49-F238E27FC236}">
+                <a16:creationId xmlns:a16="http://schemas.microsoft.com/office/drawing/2014/main" id="{C6FAC23C-014D-4AC5-AD1B-36F7D0E7EF32}"/>
+              </a:ext>
+              <a:ext uri="{C183D7F6-B498-43B3-948B-1728B52AA6E4}">
+                <adec:decorative xmlns:adec="http://schemas.microsoft.com/office/drawing/2017/decorative" val="1"/>
+              </a:ext>
+            </a:extLst>
+          </p:cNvPr>
+          <p:cNvCxnSpPr>
+            <a:cxnSpLocks noGrp="1" noRot="1" noChangeAspect="1" noMove="1" noResize="1" noEditPoints="1" noAdjustHandles="1" noChangeArrowheads="1" noChangeShapeType="1"/>
+          </p:cNvCxnSpPr>
+          <p:nvPr>
+            <p:extLst>
+              <p:ext uri="{386F3935-93C4-4BCD-93E2-E3B085C9AB24}">
+                <p16:designElem xmlns:p16="http://schemas.microsoft.com/office/powerpoint/2015/main" val="1"/>
+              </p:ext>
+            </p:extLst>
+          </p:nvPr>
+        </p:nvCxnSpPr>
+        <p:spPr>
+          <a:xfrm>
+            <a:off x="0" y="6128413"/>
+            <a:ext cx="12192000" cy="0"/>
+          </a:xfrm>
+          <a:prstGeom prst="line">
+            <a:avLst/>
+          </a:prstGeom>
+          <a:ln w="12700">
+            <a:solidFill>
+              <a:srgbClr val="000001">
+                <a:alpha val="20000"/>
+              </a:srgbClr>
+            </a:solidFill>
+          </a:ln>
+        </p:spPr>
+        <p:style>
+          <a:lnRef idx="1">
+            <a:schemeClr val="accent1"/>
+          </a:lnRef>
+          <a:fillRef idx="0">
+            <a:schemeClr val="accent1"/>
+          </a:fillRef>
+          <a:effectRef idx="0">
+            <a:schemeClr val="accent1"/>
+          </a:effectRef>
+          <a:fontRef idx="minor">
+            <a:schemeClr val="tx1"/>
+          </a:fontRef>
+        </p:style>
+      </p:cxnSp>
     </p:spTree>
     <p:extLst>
       <p:ext uri="{BB962C8B-B14F-4D97-AF65-F5344CB8AC3E}">
@@ -4302,7 +4807,7 @@
             <p:ph idx="1"/>
             <p:extLst>
               <p:ext uri="{D42A27DB-BD31-4B8C-83A1-F6EECF244321}">
-                <p14:modId xmlns:p14="http://schemas.microsoft.com/office/powerpoint/2010/main" val="3740084177"/>
+                <p14:modId xmlns:p14="http://schemas.microsoft.com/office/powerpoint/2010/main" val="1744976970"/>
               </p:ext>
             </p:extLst>
           </p:nvPr>
@@ -4613,7 +5118,7 @@
                       <a:pPr algn="ctr" latinLnBrk="1"/>
                       <a:r>
                         <a:rPr lang="ko-KR" altLang="en-US" sz="1500" dirty="0"/>
-                        <a:t>화면</a:t>
+                        <a:t>배경</a:t>
                       </a:r>
                     </a:p>
                   </a:txBody>
@@ -4748,6 +5253,26 @@
                     <a:lstStyle/>
                     <a:p>
                       <a:pPr latinLnBrk="1"/>
+                      <a:r>
+                        <a:rPr lang="ko-KR" altLang="en-US" sz="1600" dirty="0"/>
+                        <a:t>공격하지 않는 적 </a:t>
+                      </a:r>
+                      <a:r>
+                        <a:rPr lang="en-US" altLang="ko-KR" sz="1600" dirty="0"/>
+                        <a:t>/ </a:t>
+                      </a:r>
+                      <a:r>
+                        <a:rPr lang="ko-KR" altLang="en-US" sz="1600" dirty="0"/>
+                        <a:t>원거리 공격 하는 적</a:t>
+                      </a:r>
+                      <a:endParaRPr lang="en-US" altLang="ko-KR" sz="1600" dirty="0"/>
+                    </a:p>
+                    <a:p>
+                      <a:pPr latinLnBrk="1"/>
+                      <a:r>
+                        <a:rPr lang="ko-KR" altLang="en-US" sz="1600" dirty="0" err="1"/>
+                        <a:t>우두머</a:t>
+                      </a:r>
                       <a:endParaRPr lang="ko-KR" altLang="en-US" sz="1600" dirty="0"/>
                     </a:p>
                   </a:txBody>
@@ -5150,10 +5675,10 @@
       </p:sp>
       <p:pic>
         <p:nvPicPr>
-          <p:cNvPr id="4" name="그림 3">
+          <p:cNvPr id="3" name="그림 2">
             <a:extLst>
               <a:ext uri="{FF2B5EF4-FFF2-40B4-BE49-F238E27FC236}">
-                <a16:creationId xmlns:a16="http://schemas.microsoft.com/office/drawing/2014/main" id="{BAF9819B-A2D2-4150-8918-26ED66D2EEF4}"/>
+                <a16:creationId xmlns:a16="http://schemas.microsoft.com/office/drawing/2014/main" id="{8D1401F6-9BA7-4176-9094-4693690CDFC0}"/>
               </a:ext>
             </a:extLst>
           </p:cNvPr>
@@ -5170,14 +5695,560 @@
         </p:blipFill>
         <p:spPr>
           <a:xfrm>
-            <a:off x="1293811" y="1146414"/>
-            <a:ext cx="7095095" cy="4565171"/>
+            <a:off x="2098545" y="1230512"/>
+            <a:ext cx="7994908" cy="2133474"/>
           </a:xfrm>
           <a:prstGeom prst="rect">
             <a:avLst/>
           </a:prstGeom>
         </p:spPr>
       </p:pic>
+      <p:graphicFrame>
+        <p:nvGraphicFramePr>
+          <p:cNvPr id="5" name="표 4">
+            <a:extLst>
+              <a:ext uri="{FF2B5EF4-FFF2-40B4-BE49-F238E27FC236}">
+                <a16:creationId xmlns:a16="http://schemas.microsoft.com/office/drawing/2014/main" id="{B8D58812-78DA-42F6-9AED-4E76FD986DC0}"/>
+              </a:ext>
+            </a:extLst>
+          </p:cNvPr>
+          <p:cNvGraphicFramePr>
+            <a:graphicFrameLocks noGrp="1"/>
+          </p:cNvGraphicFramePr>
+          <p:nvPr>
+            <p:extLst>
+              <p:ext uri="{D42A27DB-BD31-4B8C-83A1-F6EECF244321}">
+                <p14:modId xmlns:p14="http://schemas.microsoft.com/office/powerpoint/2010/main" val="4067346989"/>
+              </p:ext>
+            </p:extLst>
+          </p:nvPr>
+        </p:nvGraphicFramePr>
+        <p:xfrm>
+          <a:off x="1665387" y="3620951"/>
+          <a:ext cx="8861224" cy="2240280"/>
+        </p:xfrm>
+        <a:graphic>
+          <a:graphicData uri="http://schemas.openxmlformats.org/drawingml/2006/table">
+            <a:tbl>
+              <a:tblPr firstRow="1" bandRow="1">
+                <a:tableStyleId>{0E3FDE45-AF77-4B5C-9715-49D594BDF05E}</a:tableStyleId>
+              </a:tblPr>
+              <a:tblGrid>
+                <a:gridCol w="2215306">
+                  <a:extLst>
+                    <a:ext uri="{9D8B030D-6E8A-4147-A177-3AD203B41FA5}">
+                      <a16:colId xmlns:a16="http://schemas.microsoft.com/office/drawing/2014/main" val="3014597690"/>
+                    </a:ext>
+                  </a:extLst>
+                </a:gridCol>
+                <a:gridCol w="2215306">
+                  <a:extLst>
+                    <a:ext uri="{9D8B030D-6E8A-4147-A177-3AD203B41FA5}">
+                      <a16:colId xmlns:a16="http://schemas.microsoft.com/office/drawing/2014/main" val="3418529729"/>
+                    </a:ext>
+                  </a:extLst>
+                </a:gridCol>
+                <a:gridCol w="2215306">
+                  <a:extLst>
+                    <a:ext uri="{9D8B030D-6E8A-4147-A177-3AD203B41FA5}">
+                      <a16:colId xmlns:a16="http://schemas.microsoft.com/office/drawing/2014/main" val="3195481680"/>
+                    </a:ext>
+                  </a:extLst>
+                </a:gridCol>
+                <a:gridCol w="2215306">
+                  <a:extLst>
+                    <a:ext uri="{9D8B030D-6E8A-4147-A177-3AD203B41FA5}">
+                      <a16:colId xmlns:a16="http://schemas.microsoft.com/office/drawing/2014/main" val="964006061"/>
+                    </a:ext>
+                  </a:extLst>
+                </a:gridCol>
+              </a:tblGrid>
+              <a:tr h="273095">
+                <a:tc>
+                  <a:txBody>
+                    <a:bodyPr/>
+                    <a:lstStyle/>
+                    <a:p>
+                      <a:pPr latinLnBrk="1"/>
+                      <a:r>
+                        <a:rPr lang="ko-KR" altLang="en-US" sz="1500" dirty="0"/>
+                        <a:t>주차</a:t>
+                      </a:r>
+                    </a:p>
+                  </a:txBody>
+                  <a:tcPr/>
+                </a:tc>
+                <a:tc>
+                  <a:txBody>
+                    <a:bodyPr/>
+                    <a:lstStyle/>
+                    <a:p>
+                      <a:pPr latinLnBrk="1"/>
+                      <a:r>
+                        <a:rPr lang="ko-KR" altLang="en-US" sz="1500" dirty="0" err="1"/>
+                        <a:t>커밋</a:t>
+                      </a:r>
+                      <a:r>
+                        <a:rPr lang="ko-KR" altLang="en-US" sz="1500" dirty="0"/>
+                        <a:t> 횟수</a:t>
+                      </a:r>
+                    </a:p>
+                  </a:txBody>
+                  <a:tcPr/>
+                </a:tc>
+                <a:tc>
+                  <a:txBody>
+                    <a:bodyPr/>
+                    <a:lstStyle/>
+                    <a:p>
+                      <a:pPr latinLnBrk="1"/>
+                      <a:r>
+                        <a:rPr lang="ko-KR" altLang="en-US" sz="1500" dirty="0"/>
+                        <a:t>주차</a:t>
+                      </a:r>
+                    </a:p>
+                  </a:txBody>
+                  <a:tcPr/>
+                </a:tc>
+                <a:tc>
+                  <a:txBody>
+                    <a:bodyPr/>
+                    <a:lstStyle/>
+                    <a:p>
+                      <a:pPr latinLnBrk="1"/>
+                      <a:r>
+                        <a:rPr lang="ko-KR" altLang="en-US" sz="1500" dirty="0" err="1"/>
+                        <a:t>커밋</a:t>
+                      </a:r>
+                      <a:r>
+                        <a:rPr lang="ko-KR" altLang="en-US" sz="1500" dirty="0"/>
+                        <a:t> 횟수</a:t>
+                      </a:r>
+                    </a:p>
+                  </a:txBody>
+                  <a:tcPr/>
+                </a:tc>
+                <a:extLst>
+                  <a:ext uri="{0D108BD9-81ED-4DB2-BD59-A6C34878D82A}">
+                    <a16:rowId xmlns:a16="http://schemas.microsoft.com/office/drawing/2014/main" val="2572328899"/>
+                  </a:ext>
+                </a:extLst>
+              </a:tr>
+              <a:tr h="273095">
+                <a:tc>
+                  <a:txBody>
+                    <a:bodyPr/>
+                    <a:lstStyle/>
+                    <a:p>
+                      <a:pPr latinLnBrk="1"/>
+                      <a:r>
+                        <a:rPr lang="en-US" altLang="ko-KR" sz="1500" dirty="0"/>
+                        <a:t>Week of Sep 23</a:t>
+                      </a:r>
+                      <a:endParaRPr lang="ko-KR" altLang="en-US" sz="1500" dirty="0"/>
+                    </a:p>
+                  </a:txBody>
+                  <a:tcPr/>
+                </a:tc>
+                <a:tc>
+                  <a:txBody>
+                    <a:bodyPr/>
+                    <a:lstStyle/>
+                    <a:p>
+                      <a:pPr latinLnBrk="1"/>
+                      <a:r>
+                        <a:rPr lang="en-US" altLang="ko-KR" sz="1500" dirty="0"/>
+                        <a:t>2</a:t>
+                      </a:r>
+                      <a:endParaRPr lang="ko-KR" altLang="en-US" sz="1500" dirty="0"/>
+                    </a:p>
+                  </a:txBody>
+                  <a:tcPr/>
+                </a:tc>
+                <a:tc>
+                  <a:txBody>
+                    <a:bodyPr/>
+                    <a:lstStyle/>
+                    <a:p>
+                      <a:pPr latinLnBrk="1"/>
+                      <a:r>
+                        <a:rPr lang="en-US" altLang="ko-KR" sz="1500" dirty="0"/>
+                        <a:t>Week of Nov 4</a:t>
+                      </a:r>
+                      <a:endParaRPr lang="ko-KR" altLang="en-US" sz="1500" dirty="0"/>
+                    </a:p>
+                  </a:txBody>
+                  <a:tcPr/>
+                </a:tc>
+                <a:tc>
+                  <a:txBody>
+                    <a:bodyPr/>
+                    <a:lstStyle/>
+                    <a:p>
+                      <a:pPr latinLnBrk="1"/>
+                      <a:r>
+                        <a:rPr lang="en-US" altLang="ko-KR" sz="1500" dirty="0"/>
+                        <a:t>11</a:t>
+                      </a:r>
+                      <a:endParaRPr lang="ko-KR" altLang="en-US" sz="1500" dirty="0"/>
+                    </a:p>
+                  </a:txBody>
+                  <a:tcPr/>
+                </a:tc>
+                <a:extLst>
+                  <a:ext uri="{0D108BD9-81ED-4DB2-BD59-A6C34878D82A}">
+                    <a16:rowId xmlns:a16="http://schemas.microsoft.com/office/drawing/2014/main" val="500774494"/>
+                  </a:ext>
+                </a:extLst>
+              </a:tr>
+              <a:tr h="273095">
+                <a:tc>
+                  <a:txBody>
+                    <a:bodyPr/>
+                    <a:lstStyle/>
+                    <a:p>
+                      <a:pPr latinLnBrk="1"/>
+                      <a:r>
+                        <a:rPr lang="en-US" altLang="ko-KR" sz="1500" dirty="0"/>
+                        <a:t>Week of Sep 30</a:t>
+                      </a:r>
+                      <a:endParaRPr lang="ko-KR" altLang="en-US" sz="1500" dirty="0"/>
+                    </a:p>
+                  </a:txBody>
+                  <a:tcPr/>
+                </a:tc>
+                <a:tc>
+                  <a:txBody>
+                    <a:bodyPr/>
+                    <a:lstStyle/>
+                    <a:p>
+                      <a:pPr latinLnBrk="1"/>
+                      <a:r>
+                        <a:rPr lang="en-US" altLang="ko-KR" sz="1500" dirty="0"/>
+                        <a:t>0</a:t>
+                      </a:r>
+                      <a:endParaRPr lang="ko-KR" altLang="en-US" sz="1500" dirty="0"/>
+                    </a:p>
+                  </a:txBody>
+                  <a:tcPr/>
+                </a:tc>
+                <a:tc>
+                  <a:txBody>
+                    <a:bodyPr/>
+                    <a:lstStyle/>
+                    <a:p>
+                      <a:pPr latinLnBrk="1"/>
+                      <a:r>
+                        <a:rPr lang="en-US" altLang="ko-KR" sz="1500" dirty="0"/>
+                        <a:t>Week of Nov 11</a:t>
+                      </a:r>
+                      <a:endParaRPr lang="ko-KR" altLang="en-US" sz="1500" dirty="0"/>
+                    </a:p>
+                  </a:txBody>
+                  <a:tcPr/>
+                </a:tc>
+                <a:tc>
+                  <a:txBody>
+                    <a:bodyPr/>
+                    <a:lstStyle/>
+                    <a:p>
+                      <a:pPr latinLnBrk="1"/>
+                      <a:r>
+                        <a:rPr lang="en-US" altLang="ko-KR" sz="1500" dirty="0"/>
+                        <a:t>5</a:t>
+                      </a:r>
+                      <a:endParaRPr lang="ko-KR" altLang="en-US" sz="1500" dirty="0"/>
+                    </a:p>
+                  </a:txBody>
+                  <a:tcPr/>
+                </a:tc>
+                <a:extLst>
+                  <a:ext uri="{0D108BD9-81ED-4DB2-BD59-A6C34878D82A}">
+                    <a16:rowId xmlns:a16="http://schemas.microsoft.com/office/drawing/2014/main" val="1147652347"/>
+                  </a:ext>
+                </a:extLst>
+              </a:tr>
+              <a:tr h="273095">
+                <a:tc>
+                  <a:txBody>
+                    <a:bodyPr/>
+                    <a:lstStyle/>
+                    <a:p>
+                      <a:pPr latinLnBrk="1"/>
+                      <a:r>
+                        <a:rPr lang="en-US" altLang="ko-KR" sz="1500" dirty="0"/>
+                        <a:t>Week of Oct 7</a:t>
+                      </a:r>
+                      <a:endParaRPr lang="ko-KR" altLang="en-US" sz="1500" dirty="0"/>
+                    </a:p>
+                  </a:txBody>
+                  <a:tcPr/>
+                </a:tc>
+                <a:tc>
+                  <a:txBody>
+                    <a:bodyPr/>
+                    <a:lstStyle/>
+                    <a:p>
+                      <a:pPr latinLnBrk="1"/>
+                      <a:r>
+                        <a:rPr lang="en-US" altLang="ko-KR" sz="1500" dirty="0"/>
+                        <a:t>2</a:t>
+                      </a:r>
+                      <a:endParaRPr lang="ko-KR" altLang="en-US" sz="1500" dirty="0"/>
+                    </a:p>
+                  </a:txBody>
+                  <a:tcPr/>
+                </a:tc>
+                <a:tc>
+                  <a:txBody>
+                    <a:bodyPr/>
+                    <a:lstStyle/>
+                    <a:p>
+                      <a:pPr latinLnBrk="1"/>
+                      <a:r>
+                        <a:rPr lang="en-US" altLang="ko-KR" sz="1500" dirty="0"/>
+                        <a:t>Week of Nov 18</a:t>
+                      </a:r>
+                      <a:endParaRPr lang="ko-KR" altLang="en-US" sz="1500" dirty="0"/>
+                    </a:p>
+                  </a:txBody>
+                  <a:tcPr/>
+                </a:tc>
+                <a:tc>
+                  <a:txBody>
+                    <a:bodyPr/>
+                    <a:lstStyle/>
+                    <a:p>
+                      <a:pPr latinLnBrk="1"/>
+                      <a:r>
+                        <a:rPr lang="en-US" altLang="ko-KR" sz="1500" dirty="0"/>
+                        <a:t>13</a:t>
+                      </a:r>
+                      <a:endParaRPr lang="ko-KR" altLang="en-US" sz="1500" dirty="0"/>
+                    </a:p>
+                  </a:txBody>
+                  <a:tcPr/>
+                </a:tc>
+                <a:extLst>
+                  <a:ext uri="{0D108BD9-81ED-4DB2-BD59-A6C34878D82A}">
+                    <a16:rowId xmlns:a16="http://schemas.microsoft.com/office/drawing/2014/main" val="1073604706"/>
+                  </a:ext>
+                </a:extLst>
+              </a:tr>
+              <a:tr h="273095">
+                <a:tc>
+                  <a:txBody>
+                    <a:bodyPr/>
+                    <a:lstStyle/>
+                    <a:p>
+                      <a:pPr latinLnBrk="1"/>
+                      <a:r>
+                        <a:rPr lang="en-US" altLang="ko-KR" sz="1500" dirty="0"/>
+                        <a:t>Week of Oct 14</a:t>
+                      </a:r>
+                      <a:endParaRPr lang="ko-KR" altLang="en-US" sz="1500" dirty="0"/>
+                    </a:p>
+                  </a:txBody>
+                  <a:tcPr/>
+                </a:tc>
+                <a:tc>
+                  <a:txBody>
+                    <a:bodyPr/>
+                    <a:lstStyle/>
+                    <a:p>
+                      <a:pPr latinLnBrk="1"/>
+                      <a:r>
+                        <a:rPr lang="en-US" altLang="ko-KR" sz="1500" dirty="0"/>
+                        <a:t>9</a:t>
+                      </a:r>
+                      <a:endParaRPr lang="ko-KR" altLang="en-US" sz="1500" dirty="0"/>
+                    </a:p>
+                  </a:txBody>
+                  <a:tcPr/>
+                </a:tc>
+                <a:tc>
+                  <a:txBody>
+                    <a:bodyPr/>
+                    <a:lstStyle/>
+                    <a:p>
+                      <a:pPr latinLnBrk="1"/>
+                      <a:r>
+                        <a:rPr lang="en-US" altLang="ko-KR" sz="1500" dirty="0"/>
+                        <a:t>Week of Nov 25</a:t>
+                      </a:r>
+                      <a:endParaRPr lang="ko-KR" altLang="en-US" sz="1500" dirty="0"/>
+                    </a:p>
+                  </a:txBody>
+                  <a:tcPr/>
+                </a:tc>
+                <a:tc>
+                  <a:txBody>
+                    <a:bodyPr/>
+                    <a:lstStyle/>
+                    <a:p>
+                      <a:pPr latinLnBrk="1"/>
+                      <a:r>
+                        <a:rPr lang="en-US" altLang="ko-KR" sz="1500" dirty="0"/>
+                        <a:t>38</a:t>
+                      </a:r>
+                      <a:endParaRPr lang="ko-KR" altLang="en-US" sz="1500" dirty="0"/>
+                    </a:p>
+                  </a:txBody>
+                  <a:tcPr/>
+                </a:tc>
+                <a:extLst>
+                  <a:ext uri="{0D108BD9-81ED-4DB2-BD59-A6C34878D82A}">
+                    <a16:rowId xmlns:a16="http://schemas.microsoft.com/office/drawing/2014/main" val="2001609016"/>
+                  </a:ext>
+                </a:extLst>
+              </a:tr>
+              <a:tr h="273095">
+                <a:tc>
+                  <a:txBody>
+                    <a:bodyPr/>
+                    <a:lstStyle/>
+                    <a:p>
+                      <a:pPr latinLnBrk="1"/>
+                      <a:r>
+                        <a:rPr lang="en-US" altLang="ko-KR" sz="1500" dirty="0"/>
+                        <a:t>Week of Oct 21</a:t>
+                      </a:r>
+                      <a:endParaRPr lang="ko-KR" altLang="en-US" sz="1500" dirty="0"/>
+                    </a:p>
+                  </a:txBody>
+                  <a:tcPr/>
+                </a:tc>
+                <a:tc>
+                  <a:txBody>
+                    <a:bodyPr/>
+                    <a:lstStyle/>
+                    <a:p>
+                      <a:pPr latinLnBrk="1"/>
+                      <a:r>
+                        <a:rPr lang="en-US" altLang="ko-KR" sz="1500" dirty="0"/>
+                        <a:t>8</a:t>
+                      </a:r>
+                      <a:endParaRPr lang="ko-KR" altLang="en-US" sz="1500" dirty="0"/>
+                    </a:p>
+                  </a:txBody>
+                  <a:tcPr/>
+                </a:tc>
+                <a:tc>
+                  <a:txBody>
+                    <a:bodyPr/>
+                    <a:lstStyle/>
+                    <a:p>
+                      <a:pPr latinLnBrk="1"/>
+                      <a:r>
+                        <a:rPr lang="en-US" altLang="ko-KR" sz="1500" dirty="0"/>
+                        <a:t>Week of Dec 2</a:t>
+                      </a:r>
+                      <a:endParaRPr lang="ko-KR" altLang="en-US" sz="1500" dirty="0"/>
+                    </a:p>
+                  </a:txBody>
+                  <a:tcPr/>
+                </a:tc>
+                <a:tc>
+                  <a:txBody>
+                    <a:bodyPr/>
+                    <a:lstStyle/>
+                    <a:p>
+                      <a:pPr latinLnBrk="1"/>
+                      <a:r>
+                        <a:rPr lang="en-US" altLang="ko-KR" sz="1500" dirty="0"/>
+                        <a:t>35</a:t>
+                      </a:r>
+                      <a:endParaRPr lang="ko-KR" altLang="en-US" sz="1500" dirty="0"/>
+                    </a:p>
+                  </a:txBody>
+                  <a:tcPr/>
+                </a:tc>
+                <a:extLst>
+                  <a:ext uri="{0D108BD9-81ED-4DB2-BD59-A6C34878D82A}">
+                    <a16:rowId xmlns:a16="http://schemas.microsoft.com/office/drawing/2014/main" val="3042508885"/>
+                  </a:ext>
+                </a:extLst>
+              </a:tr>
+              <a:tr h="273095">
+                <a:tc>
+                  <a:txBody>
+                    <a:bodyPr/>
+                    <a:lstStyle/>
+                    <a:p>
+                      <a:pPr latinLnBrk="1"/>
+                      <a:r>
+                        <a:rPr lang="en-US" altLang="ko-KR" sz="1500" dirty="0"/>
+                        <a:t>Week of Oct 28</a:t>
+                      </a:r>
+                      <a:endParaRPr lang="ko-KR" altLang="en-US" sz="1500" dirty="0"/>
+                    </a:p>
+                  </a:txBody>
+                  <a:tcPr/>
+                </a:tc>
+                <a:tc>
+                  <a:txBody>
+                    <a:bodyPr/>
+                    <a:lstStyle/>
+                    <a:p>
+                      <a:pPr latinLnBrk="1"/>
+                      <a:r>
+                        <a:rPr lang="en-US" altLang="ko-KR" sz="1500" dirty="0"/>
+                        <a:t>3</a:t>
+                      </a:r>
+                      <a:endParaRPr lang="ko-KR" altLang="en-US" sz="1500" dirty="0"/>
+                    </a:p>
+                  </a:txBody>
+                  <a:tcPr/>
+                </a:tc>
+                <a:tc>
+                  <a:txBody>
+                    <a:bodyPr/>
+                    <a:lstStyle/>
+                    <a:p>
+                      <a:r>
+                        <a:rPr lang="ko-KR" altLang="en-US" sz="1500" dirty="0"/>
+                        <a:t>총합</a:t>
+                      </a:r>
+                    </a:p>
+                  </a:txBody>
+                  <a:tcPr/>
+                </a:tc>
+                <a:tc>
+                  <a:txBody>
+                    <a:bodyPr/>
+                    <a:lstStyle/>
+                    <a:p>
+                      <a:r>
+                        <a:rPr lang="en-US" altLang="ko-KR" sz="1500" dirty="0"/>
+                        <a:t>126</a:t>
+                      </a:r>
+                      <a:r>
+                        <a:rPr lang="ko-KR" altLang="en-US" sz="1500" dirty="0"/>
+                        <a:t>회</a:t>
+                      </a:r>
+                      <a:r>
+                        <a:rPr lang="en-US" altLang="ko-KR" sz="1500" dirty="0"/>
+                        <a:t> </a:t>
+                      </a:r>
+                      <a:r>
+                        <a:rPr lang="ko-KR" altLang="en-US" sz="1500" dirty="0" err="1"/>
+                        <a:t>커밋</a:t>
+                      </a:r>
+                      <a:endParaRPr lang="ko-KR" altLang="en-US" sz="1500" dirty="0"/>
+                    </a:p>
+                  </a:txBody>
+                  <a:tcPr/>
+                </a:tc>
+                <a:extLst>
+                  <a:ext uri="{0D108BD9-81ED-4DB2-BD59-A6C34878D82A}">
+                    <a16:rowId xmlns:a16="http://schemas.microsoft.com/office/drawing/2014/main" val="1463939830"/>
+                  </a:ext>
+                </a:extLst>
+              </a:tr>
+            </a:tbl>
+          </a:graphicData>
+        </a:graphic>
+      </p:graphicFrame>
     </p:spTree>
     <p:extLst>
       <p:ext uri="{BB962C8B-B14F-4D97-AF65-F5344CB8AC3E}">
@@ -5730,11 +6801,7 @@
             </a:pPr>
             <a:r>
               <a:rPr lang="ko-KR" altLang="en-US" dirty="0"/>
-              <a:t>급하게 몰아치다 보니 유지보수성이 매우 떨어지는 하드코딩이 </a:t>
-            </a:r>
-            <a:r>
-              <a:rPr lang="ko-KR" altLang="en-US" dirty="0" err="1"/>
-              <a:t>되어버림</a:t>
+              <a:t>급하게 몰아쳐서 하드코딩을 하다 보니 유지보수성이 매우 떨어지게 됨</a:t>
             </a:r>
             <a:r>
               <a:rPr lang="en-US" altLang="ko-KR" dirty="0"/>
